--- a/slides/WSTA_L17_bm25_lmir.pptx
+++ b/slides/WSTA_L17_bm25_lmir.pptx
@@ -136,6 +136,9 @@
     <p:ext uri="{EFAFB233-063F-42B5-8137-9DF3F51BA10A}">
       <p15:sldGuideLst xmlns:p15="http://schemas.microsoft.com/office/powerpoint/2012/main"/>
     </p:ext>
+    <p:ext uri="{2D200454-40CA-4A62-9FC3-DE9A4176ACB9}">
+      <p15:notesGuideLst xmlns:p15="http://schemas.microsoft.com/office/powerpoint/2012/main"/>
+    </p:ext>
   </p:extLst>
 </p:presentation>
 </file>
@@ -222,7 +225,7 @@
           <a:p>
             <a:fld id="{F1FC8B88-69E6-8343-971C-29875E79FA6F}" type="datetimeFigureOut">
               <a:rPr lang="en-AU" smtClean="0"/>
-              <a:t>19/4/17</a:t>
+              <a:t>1/5/17</a:t>
             </a:fld>
             <a:endParaRPr lang="en-AU"/>
           </a:p>
@@ -387,7 +390,7 @@
           <a:p>
             <a:fld id="{50A97A5B-EA5E-9E4E-B952-F7E0D0C1A3D8}" type="datetimeFigureOut">
               <a:rPr lang="en-US" smtClean="0"/>
-              <a:t>4/19/17</a:t>
+              <a:t>5/1/17</a:t>
             </a:fld>
             <a:endParaRPr lang="en-US"/>
           </a:p>
@@ -7272,11 +7275,7 @@
             </a:r>
             <a:r>
               <a:rPr lang="en-US" smtClean="0"/>
-              <a:t>lecture </a:t>
-            </a:r>
-            <a:r>
-              <a:rPr lang="en-US" smtClean="0"/>
-              <a:t>17</a:t>
+              <a:t>lecture 17</a:t>
             </a:r>
             <a:endParaRPr lang="en-US" dirty="0"/>
           </a:p>
@@ -7392,35 +7391,7 @@
             </a:r>
             <a:r>
               <a:rPr lang="en-AU" dirty="0" smtClean="0"/>
-              <a:t>b with k</a:t>
-            </a:r>
-            <a:r>
-              <a:rPr lang="en-AU" baseline="-25000" dirty="0" smtClean="0"/>
-              <a:t>1 </a:t>
-            </a:r>
-            <a:r>
-              <a:rPr lang="en-AU" dirty="0" smtClean="0"/>
-              <a:t>= 1.5, l</a:t>
-            </a:r>
-            <a:r>
-              <a:rPr lang="en-AU" baseline="-25000" dirty="0" smtClean="0"/>
-              <a:t>ave</a:t>
-            </a:r>
-            <a:r>
-              <a:rPr lang="en-AU" dirty="0" smtClean="0"/>
-              <a:t> = 200, </a:t>
-            </a:r>
-            <a:r>
-              <a:rPr lang="en-AU" dirty="0" err="1" smtClean="0"/>
-              <a:t>f</a:t>
-            </a:r>
-            <a:r>
-              <a:rPr lang="en-AU" baseline="-25000" dirty="0" err="1" smtClean="0"/>
-              <a:t>t,d</a:t>
-            </a:r>
-            <a:r>
-              <a:rPr lang="en-AU" dirty="0" smtClean="0"/>
-              <a:t> = 3</a:t>
+              <a:t>b</a:t>
             </a:r>
             <a:endParaRPr lang="en-AU" baseline="-25000" dirty="0"/>
           </a:p>
@@ -7662,6 +7633,94 @@
           </a:prstGeom>
         </p:spPr>
       </p:pic>
+      <p:sp>
+        <p:nvSpPr>
+          <p:cNvPr id="2" name="Rectangle 1"/>
+          <p:cNvSpPr/>
+          <p:nvPr/>
+        </p:nvSpPr>
+        <p:spPr>
+          <a:xfrm>
+            <a:off x="404365" y="1428495"/>
+            <a:ext cx="3309432" cy="400110"/>
+          </a:xfrm>
+          <a:prstGeom prst="rect">
+            <a:avLst/>
+          </a:prstGeom>
+        </p:spPr>
+        <p:txBody>
+          <a:bodyPr wrap="none">
+            <a:spAutoFit/>
+          </a:bodyPr>
+          <a:lstStyle/>
+          <a:p>
+            <a:r>
+              <a:rPr lang="en-AU" sz="2000" dirty="0">
+                <a:latin typeface="Arial Hebrew" charset="-79"/>
+                <a:ea typeface="Arial Hebrew" charset="-79"/>
+                <a:cs typeface="Arial Hebrew" charset="-79"/>
+              </a:rPr>
+              <a:t>with k</a:t>
+            </a:r>
+            <a:r>
+              <a:rPr lang="en-AU" sz="2000" baseline="-25000" dirty="0">
+                <a:latin typeface="Arial Hebrew" charset="-79"/>
+                <a:ea typeface="Arial Hebrew" charset="-79"/>
+                <a:cs typeface="Arial Hebrew" charset="-79"/>
+              </a:rPr>
+              <a:t>1 </a:t>
+            </a:r>
+            <a:r>
+              <a:rPr lang="en-AU" sz="2000" dirty="0">
+                <a:latin typeface="Arial Hebrew" charset="-79"/>
+                <a:ea typeface="Arial Hebrew" charset="-79"/>
+                <a:cs typeface="Arial Hebrew" charset="-79"/>
+              </a:rPr>
+              <a:t>= 1.5, l</a:t>
+            </a:r>
+            <a:r>
+              <a:rPr lang="en-AU" sz="2000" baseline="-25000" dirty="0">
+                <a:latin typeface="Arial Hebrew" charset="-79"/>
+                <a:ea typeface="Arial Hebrew" charset="-79"/>
+                <a:cs typeface="Arial Hebrew" charset="-79"/>
+              </a:rPr>
+              <a:t>ave</a:t>
+            </a:r>
+            <a:r>
+              <a:rPr lang="en-AU" sz="2000" dirty="0">
+                <a:latin typeface="Arial Hebrew" charset="-79"/>
+                <a:ea typeface="Arial Hebrew" charset="-79"/>
+                <a:cs typeface="Arial Hebrew" charset="-79"/>
+              </a:rPr>
+              <a:t> = 200, </a:t>
+            </a:r>
+            <a:r>
+              <a:rPr lang="en-AU" sz="2000" dirty="0" err="1">
+                <a:latin typeface="Arial Hebrew" charset="-79"/>
+                <a:ea typeface="Arial Hebrew" charset="-79"/>
+                <a:cs typeface="Arial Hebrew" charset="-79"/>
+              </a:rPr>
+              <a:t>f</a:t>
+            </a:r>
+            <a:r>
+              <a:rPr lang="en-AU" sz="2000" baseline="-25000" dirty="0" err="1">
+                <a:latin typeface="Arial Hebrew" charset="-79"/>
+                <a:ea typeface="Arial Hebrew" charset="-79"/>
+                <a:cs typeface="Arial Hebrew" charset="-79"/>
+              </a:rPr>
+              <a:t>t,d</a:t>
+            </a:r>
+            <a:r>
+              <a:rPr lang="en-AU" sz="2000" dirty="0">
+                <a:latin typeface="Arial Hebrew" charset="-79"/>
+                <a:ea typeface="Arial Hebrew" charset="-79"/>
+                <a:cs typeface="Arial Hebrew" charset="-79"/>
+              </a:rPr>
+              <a:t> = 3</a:t>
+            </a:r>
+          </a:p>
+        </p:txBody>
+      </p:sp>
     </p:spTree>
     <p:extLst>
       <p:ext uri="{BB962C8B-B14F-4D97-AF65-F5344CB8AC3E}">
@@ -7730,11 +7789,7 @@
           <a:p>
             <a:r>
               <a:rPr lang="en-AU" dirty="0" smtClean="0"/>
-              <a:t>Probabilistic </a:t>
-            </a:r>
-            <a:r>
-              <a:rPr lang="en-AU" dirty="0" smtClean="0"/>
-              <a:t>IR (motivating BM25)</a:t>
+              <a:t>Probabilistic IR (motivating BM25)</a:t>
             </a:r>
             <a:endParaRPr lang="en-AU" dirty="0"/>
           </a:p>
@@ -8575,15 +8630,6 @@
               </a:rPr>
               <a:t>Drop document independent values (irrelevant to ranking)</a:t>
             </a:r>
-            <a:endParaRPr lang="en-AU" sz="1500" i="1" dirty="0">
-              <a:solidFill>
-                <a:schemeClr val="bg1"/>
-              </a:solidFill>
-              <a:latin typeface="Avenir Next Medium"/>
-              <a:ea typeface="Avenir Next Medium"/>
-              <a:cs typeface="Avenir Next Medium"/>
-              <a:sym typeface="Avenir Next Medium"/>
-            </a:endParaRPr>
           </a:p>
         </p:txBody>
       </p:sp>
@@ -8668,15 +8714,6 @@
               </a:rPr>
               <a:t>)</a:t>
             </a:r>
-            <a:endParaRPr lang="en-AU" sz="1500" i="1" dirty="0">
-              <a:solidFill>
-                <a:schemeClr val="bg1"/>
-              </a:solidFill>
-              <a:latin typeface="Avenir Next Medium"/>
-              <a:ea typeface="Avenir Next Medium"/>
-              <a:cs typeface="Avenir Next Medium"/>
-              <a:sym typeface="Avenir Next Medium"/>
-            </a:endParaRPr>
           </a:p>
         </p:txBody>
       </p:sp>
@@ -11235,7 +11272,6 @@
               <a:rPr lang="en-AU" dirty="0" smtClean="0"/>
               <a:t> becomes more important in ranking (similar effect to IDF)</a:t>
             </a:r>
-            <a:endParaRPr lang="en-AU" dirty="0" smtClean="0"/>
           </a:p>
         </p:txBody>
       </p:sp>
@@ -11985,13 +12021,28 @@
         <p:spPr/>
         <p:txBody>
           <a:bodyPr>
-            <a:normAutofit fontScale="92500"/>
+            <a:normAutofit lnSpcReduction="10000"/>
           </a:bodyPr>
           <a:lstStyle/>
           <a:p>
             <a:r>
               <a:rPr lang="en-AU" dirty="0" smtClean="0"/>
-              <a:t>Slight difference to standard IDF (what happens when </a:t>
+              <a:t>Slight difference to standard IDF </a:t>
+            </a:r>
+            <a:r>
+              <a:rPr lang="en-AU" dirty="0" smtClean="0"/>
+              <a:t/>
+            </a:r>
+            <a:br>
+              <a:rPr lang="en-AU" dirty="0" smtClean="0"/>
+            </a:br>
+            <a:r>
+              <a:rPr lang="en-AU" dirty="0" smtClean="0"/>
+              <a:t>(</a:t>
+            </a:r>
+            <a:r>
+              <a:rPr lang="en-AU" dirty="0" smtClean="0"/>
+              <a:t>what happens when </a:t>
             </a:r>
             <a:r>
               <a:rPr lang="en-AU" dirty="0" err="1" smtClean="0"/>
@@ -12053,12 +12104,24 @@
               <a:t> by probability of relevance, </a:t>
             </a:r>
             <a:r>
+              <a:rPr lang="en-AU" dirty="0" smtClean="0"/>
+              <a:t/>
+            </a:r>
+            <a:br>
+              <a:rPr lang="en-AU" dirty="0" smtClean="0"/>
+            </a:br>
+            <a:r>
               <a:rPr lang="en-AU" i="1" dirty="0" smtClean="0"/>
-              <a:t>P(R = 1 | d, q)</a:t>
-            </a:r>
-          </a:p>
-          <a:p>
-            <a:pPr lvl="1"/>
+              <a:t>P(R </a:t>
+            </a:r>
+            <a:r>
+              <a:rPr lang="en-AU" i="1" dirty="0" smtClean="0"/>
+              <a:t>= 1 | d, </a:t>
+            </a:r>
+            <a:r>
+              <a:rPr lang="en-AU" i="1" dirty="0" smtClean="0"/>
+              <a:t>q) </a:t>
+            </a:r>
             <a:r>
               <a:rPr lang="en-AU" dirty="0" smtClean="0"/>
               <a:t>where </a:t>
@@ -12626,15 +12689,15 @@
           <a:p>
             <a:r>
               <a:rPr lang="en-AU" dirty="0" smtClean="0"/>
-              <a:t>role of k</a:t>
+              <a:t>role of </a:t>
+            </a:r>
+            <a:r>
+              <a:rPr lang="en-AU" dirty="0" smtClean="0"/>
+              <a:t>k</a:t>
             </a:r>
             <a:r>
               <a:rPr lang="en-AU" baseline="-25000" dirty="0" smtClean="0"/>
-              <a:t>1 </a:t>
-            </a:r>
-            <a:r>
-              <a:rPr lang="en-AU" dirty="0" smtClean="0"/>
-              <a:t>with b=0.5</a:t>
+              <a:t>1</a:t>
             </a:r>
             <a:endParaRPr lang="en-AU" dirty="0"/>
           </a:p>
@@ -12849,6 +12912,38 @@
               <a:cs typeface="Avenir Next Medium"/>
               <a:sym typeface="Avenir Next Medium"/>
             </a:endParaRPr>
+          </a:p>
+        </p:txBody>
+      </p:sp>
+      <p:sp>
+        <p:nvSpPr>
+          <p:cNvPr id="2" name="Rectangle 1"/>
+          <p:cNvSpPr/>
+          <p:nvPr/>
+        </p:nvSpPr>
+        <p:spPr>
+          <a:xfrm>
+            <a:off x="404365" y="1424822"/>
+            <a:ext cx="1281120" cy="400110"/>
+          </a:xfrm>
+          <a:prstGeom prst="rect">
+            <a:avLst/>
+          </a:prstGeom>
+        </p:spPr>
+        <p:txBody>
+          <a:bodyPr wrap="none">
+            <a:spAutoFit/>
+          </a:bodyPr>
+          <a:lstStyle/>
+          <a:p>
+            <a:r>
+              <a:rPr lang="en-AU" sz="2000" dirty="0">
+                <a:latin typeface="Arial Hebrew" charset="-79"/>
+                <a:ea typeface="Arial Hebrew" charset="-79"/>
+                <a:cs typeface="Arial Hebrew" charset="-79"/>
+              </a:rPr>
+              <a:t>with b=0.5</a:t>
+            </a:r>
           </a:p>
         </p:txBody>
       </p:sp>

--- a/slides/WSTA_L17_bm25_lmir.pptx
+++ b/slides/WSTA_L17_bm25_lmir.pptx
@@ -5,10 +5,10 @@
     <p:sldMasterId id="2147483680" r:id="rId1"/>
   </p:sldMasterIdLst>
   <p:notesMasterIdLst>
-    <p:notesMasterId r:id="rId25"/>
+    <p:notesMasterId r:id="rId26"/>
   </p:notesMasterIdLst>
   <p:handoutMasterIdLst>
-    <p:handoutMasterId r:id="rId26"/>
+    <p:handoutMasterId r:id="rId27"/>
   </p:handoutMasterIdLst>
   <p:sldIdLst>
     <p:sldId id="256" r:id="rId2"/>
@@ -28,12 +28,13 @@
     <p:sldId id="318" r:id="rId16"/>
     <p:sldId id="322" r:id="rId17"/>
     <p:sldId id="323" r:id="rId18"/>
-    <p:sldId id="319" r:id="rId19"/>
-    <p:sldId id="324" r:id="rId20"/>
-    <p:sldId id="325" r:id="rId21"/>
-    <p:sldId id="326" r:id="rId22"/>
-    <p:sldId id="320" r:id="rId23"/>
-    <p:sldId id="284" r:id="rId24"/>
+    <p:sldId id="327" r:id="rId19"/>
+    <p:sldId id="319" r:id="rId20"/>
+    <p:sldId id="324" r:id="rId21"/>
+    <p:sldId id="325" r:id="rId22"/>
+    <p:sldId id="326" r:id="rId23"/>
+    <p:sldId id="320" r:id="rId24"/>
+    <p:sldId id="284" r:id="rId25"/>
   </p:sldIdLst>
   <p:sldSz cx="9144000" cy="6858000" type="screen4x3"/>
   <p:notesSz cx="6858000" cy="9144000"/>
@@ -3652,7 +3653,7 @@
           <a:p>
             <a:fld id="{EB142DFD-E891-9644-AE8A-31EC826A325E}" type="slidenum">
               <a:rPr lang="en-US" smtClean="0"/>
-              <a:t>18</a:t>
+              <a:t>19</a:t>
             </a:fld>
             <a:endParaRPr lang="en-US"/>
           </a:p>
@@ -3749,7 +3750,7 @@
           <a:p>
             <a:fld id="{EB142DFD-E891-9644-AE8A-31EC826A325E}" type="slidenum">
               <a:rPr lang="en-US" smtClean="0"/>
-              <a:t>19</a:t>
+              <a:t>20</a:t>
             </a:fld>
             <a:endParaRPr lang="en-US"/>
           </a:p>
@@ -3914,7 +3915,7 @@
           <a:p>
             <a:fld id="{EB142DFD-E891-9644-AE8A-31EC826A325E}" type="slidenum">
               <a:rPr lang="en-US" smtClean="0"/>
-              <a:t>21</a:t>
+              <a:t>22</a:t>
             </a:fld>
             <a:endParaRPr lang="en-US"/>
           </a:p>
@@ -7692,7 +7693,23 @@
                 <a:ea typeface="Arial Hebrew" charset="-79"/>
                 <a:cs typeface="Arial Hebrew" charset="-79"/>
               </a:rPr>
-              <a:t> = 200, </a:t>
+              <a:t> = </a:t>
+            </a:r>
+            <a:r>
+              <a:rPr lang="en-AU" sz="2000" dirty="0" smtClean="0">
+                <a:latin typeface="Arial Hebrew" charset="-79"/>
+                <a:ea typeface="Arial Hebrew" charset="-79"/>
+                <a:cs typeface="Arial Hebrew" charset="-79"/>
+              </a:rPr>
+              <a:t>100</a:t>
+            </a:r>
+            <a:r>
+              <a:rPr lang="en-AU" sz="2000" dirty="0">
+                <a:latin typeface="Arial Hebrew" charset="-79"/>
+                <a:ea typeface="Arial Hebrew" charset="-79"/>
+                <a:cs typeface="Arial Hebrew" charset="-79"/>
+              </a:rPr>
+              <a:t>, </a:t>
             </a:r>
             <a:r>
               <a:rPr lang="en-AU" sz="2000" dirty="0" err="1">
@@ -9057,7 +9074,7 @@
         <p:spPr/>
         <p:txBody>
           <a:bodyPr>
-            <a:normAutofit lnSpcReduction="10000"/>
+            <a:normAutofit/>
           </a:bodyPr>
           <a:lstStyle/>
           <a:p>
@@ -9114,37 +9131,13 @@
             </a:r>
             <a:r>
               <a:rPr lang="en-AU" dirty="0" smtClean="0"/>
-              <a:t>=1)</a:t>
-            </a:r>
-          </a:p>
-          <a:p>
-            <a:r>
-              <a:rPr lang="en-AU" dirty="0" smtClean="0"/>
-              <a:t>Use smoothing to address these problems</a:t>
-            </a:r>
-          </a:p>
-          <a:p>
-            <a:pPr lvl="1"/>
-            <a:r>
-              <a:rPr lang="en-AU" dirty="0" smtClean="0"/>
-              <a:t>combine document-specific LM with LM over whole corpus, </a:t>
-            </a:r>
-            <a:r>
-              <a:rPr lang="en-AU" i="1" dirty="0" smtClean="0"/>
-              <a:t>P(t)</a:t>
-            </a:r>
-            <a:r>
-              <a:rPr lang="en-AU" dirty="0" smtClean="0"/>
-              <a:t>, e.g., using interpolation or </a:t>
-            </a:r>
-            <a:r>
-              <a:rPr lang="en-AU" dirty="0" err="1" smtClean="0"/>
-              <a:t>Dirichlet</a:t>
-            </a:r>
-            <a:r>
-              <a:rPr lang="en-AU" dirty="0" smtClean="0"/>
-              <a:t> smoothing</a:t>
-            </a:r>
+              <a:t>=1</a:t>
+            </a:r>
+            <a:r>
+              <a:rPr lang="en-AU" dirty="0" smtClean="0"/>
+              <a:t>)</a:t>
+            </a:r>
+            <a:endParaRPr lang="en-AU" dirty="0" smtClean="0"/>
           </a:p>
         </p:txBody>
       </p:sp>
@@ -9171,30 +9164,6 @@
           </a:p>
         </p:txBody>
       </p:sp>
-      <p:pic>
-        <p:nvPicPr>
-          <p:cNvPr id="4" name="Picture 3"/>
-          <p:cNvPicPr>
-            <a:picLocks noChangeAspect="1"/>
-          </p:cNvPicPr>
-          <p:nvPr/>
-        </p:nvPicPr>
-        <p:blipFill>
-          <a:blip r:embed="rId3"/>
-          <a:stretch>
-            <a:fillRect/>
-          </a:stretch>
-        </p:blipFill>
-        <p:spPr>
-          <a:xfrm>
-            <a:off x="4879168" y="6080116"/>
-            <a:ext cx="2505075" cy="628650"/>
-          </a:xfrm>
-          <a:prstGeom prst="rect">
-            <a:avLst/>
-          </a:prstGeom>
-        </p:spPr>
-      </p:pic>
     </p:spTree>
     <p:extLst>
       <p:ext uri="{BB962C8B-B14F-4D97-AF65-F5344CB8AC3E}">
@@ -9245,6 +9214,230 @@
         </p:nvSpPr>
         <p:spPr/>
         <p:txBody>
+          <a:bodyPr>
+            <a:normAutofit/>
+          </a:bodyPr>
+          <a:lstStyle/>
+          <a:p>
+            <a:r>
+              <a:rPr lang="en-AU" dirty="0"/>
+              <a:t>Use smoothing to address these problems</a:t>
+            </a:r>
+          </a:p>
+          <a:p>
+            <a:r>
+              <a:rPr lang="en-AU" dirty="0"/>
+              <a:t>C</a:t>
+            </a:r>
+            <a:r>
+              <a:rPr lang="en-AU" dirty="0" smtClean="0"/>
+              <a:t>ombine </a:t>
+            </a:r>
+            <a:r>
+              <a:rPr lang="en-AU" dirty="0"/>
+              <a:t>document-specific LM with LM over whole corpus, </a:t>
+            </a:r>
+            <a:r>
+              <a:rPr lang="en-AU" i="1" dirty="0"/>
+              <a:t>P(t</a:t>
+            </a:r>
+            <a:r>
+              <a:rPr lang="en-AU" i="1" dirty="0" smtClean="0"/>
+              <a:t>), e.g.,</a:t>
+            </a:r>
+            <a:r>
+              <a:rPr lang="en-AU" dirty="0" smtClean="0"/>
+              <a:t> </a:t>
+            </a:r>
+          </a:p>
+          <a:p>
+            <a:pPr lvl="1"/>
+            <a:r>
+              <a:rPr lang="en-AU" dirty="0" smtClean="0"/>
+              <a:t>using </a:t>
+            </a:r>
+            <a:r>
+              <a:rPr lang="en-AU" dirty="0"/>
+              <a:t>interpolation </a:t>
+            </a:r>
+            <a:r>
+              <a:rPr lang="en-AU" dirty="0" smtClean="0"/>
+              <a:t/>
+            </a:r>
+            <a:br>
+              <a:rPr lang="en-AU" dirty="0" smtClean="0"/>
+            </a:br>
+            <a:r>
+              <a:rPr lang="en-AU" dirty="0" smtClean="0"/>
+              <a:t/>
+            </a:r>
+            <a:br>
+              <a:rPr lang="en-AU" dirty="0" smtClean="0"/>
+            </a:br>
+            <a:r>
+              <a:rPr lang="en-AU" dirty="0" smtClean="0"/>
+              <a:t/>
+            </a:r>
+            <a:br>
+              <a:rPr lang="en-AU" dirty="0" smtClean="0"/>
+            </a:br>
+            <a:endParaRPr lang="en-AU" dirty="0" smtClean="0"/>
+          </a:p>
+          <a:p>
+            <a:pPr lvl="1"/>
+            <a:r>
+              <a:rPr lang="en-AU" dirty="0" smtClean="0"/>
+              <a:t>or </a:t>
+            </a:r>
+            <a:r>
+              <a:rPr lang="en-AU" dirty="0" err="1"/>
+              <a:t>Dirichlet</a:t>
+            </a:r>
+            <a:r>
+              <a:rPr lang="en-AU" dirty="0"/>
+              <a:t> </a:t>
+            </a:r>
+            <a:r>
+              <a:rPr lang="en-AU" dirty="0" smtClean="0"/>
+              <a:t>smoothing</a:t>
+            </a:r>
+          </a:p>
+          <a:p>
+            <a:pPr lvl="1"/>
+            <a:endParaRPr lang="en-AU" dirty="0"/>
+          </a:p>
+          <a:p>
+            <a:r>
+              <a:rPr lang="en-AU" sz="2000" dirty="0" err="1" smtClean="0"/>
+              <a:t>N.b.</a:t>
+            </a:r>
+            <a:r>
+              <a:rPr lang="en-AU" sz="2000" dirty="0" smtClean="0"/>
+              <a:t>, Kappa is constant, and can be omitted</a:t>
+            </a:r>
+            <a:endParaRPr lang="en-AU" sz="2000" dirty="0"/>
+          </a:p>
+          <a:p>
+            <a:endParaRPr lang="en-AU" dirty="0"/>
+          </a:p>
+        </p:txBody>
+      </p:sp>
+      <p:sp>
+        <p:nvSpPr>
+          <p:cNvPr id="3" name="Title 2"/>
+          <p:cNvSpPr>
+            <a:spLocks noGrp="1"/>
+          </p:cNvSpPr>
+          <p:nvPr>
+            <p:ph type="title"/>
+          </p:nvPr>
+        </p:nvSpPr>
+        <p:spPr/>
+        <p:txBody>
+          <a:bodyPr>
+            <a:normAutofit/>
+          </a:bodyPr>
+          <a:lstStyle/>
+          <a:p>
+            <a:r>
+              <a:rPr lang="en-AU" dirty="0" smtClean="0"/>
+              <a:t>Smoothing (CONT.)</a:t>
+            </a:r>
+            <a:endParaRPr lang="en-AU" dirty="0"/>
+          </a:p>
+        </p:txBody>
+      </p:sp>
+      <p:pic>
+        <p:nvPicPr>
+          <p:cNvPr id="5" name="Picture 4"/>
+          <p:cNvPicPr>
+            <a:picLocks noChangeAspect="1"/>
+          </p:cNvPicPr>
+          <p:nvPr/>
+        </p:nvPicPr>
+        <p:blipFill>
+          <a:blip r:embed="rId2"/>
+          <a:stretch>
+            <a:fillRect/>
+          </a:stretch>
+        </p:blipFill>
+        <p:spPr>
+          <a:xfrm>
+            <a:off x="4865098" y="5035376"/>
+            <a:ext cx="3708400" cy="838200"/>
+          </a:xfrm>
+          <a:prstGeom prst="rect">
+            <a:avLst/>
+          </a:prstGeom>
+        </p:spPr>
+      </p:pic>
+      <p:pic>
+        <p:nvPicPr>
+          <p:cNvPr id="6" name="Picture 5"/>
+          <p:cNvPicPr>
+            <a:picLocks noChangeAspect="1"/>
+          </p:cNvPicPr>
+          <p:nvPr/>
+        </p:nvPicPr>
+        <p:blipFill>
+          <a:blip r:embed="rId3"/>
+          <a:stretch>
+            <a:fillRect/>
+          </a:stretch>
+        </p:blipFill>
+        <p:spPr>
+          <a:xfrm>
+            <a:off x="3531598" y="3558807"/>
+            <a:ext cx="5041900" cy="850900"/>
+          </a:xfrm>
+          <a:prstGeom prst="rect">
+            <a:avLst/>
+          </a:prstGeom>
+        </p:spPr>
+      </p:pic>
+    </p:spTree>
+    <p:extLst>
+      <p:ext uri="{BB962C8B-B14F-4D97-AF65-F5344CB8AC3E}">
+        <p14:creationId xmlns:p14="http://schemas.microsoft.com/office/powerpoint/2010/main" val="1133433574"/>
+      </p:ext>
+    </p:extLst>
+  </p:cSld>
+  <p:clrMapOvr>
+    <a:masterClrMapping/>
+  </p:clrMapOvr>
+  <p:transition spd="med"/>
+</p:sld>
+</file>
+
+<file path=ppt/slides/slide19.xml><?xml version="1.0" encoding="utf-8"?>
+<p:sld xmlns:a="http://schemas.openxmlformats.org/drawingml/2006/main" xmlns:r="http://schemas.openxmlformats.org/officeDocument/2006/relationships" xmlns:p="http://schemas.openxmlformats.org/presentationml/2006/main">
+  <p:cSld>
+    <p:spTree>
+      <p:nvGrpSpPr>
+        <p:cNvPr id="1" name=""/>
+        <p:cNvGrpSpPr/>
+        <p:nvPr/>
+      </p:nvGrpSpPr>
+      <p:grpSpPr>
+        <a:xfrm>
+          <a:off x="0" y="0"/>
+          <a:ext cx="0" cy="0"/>
+          <a:chOff x="0" y="0"/>
+          <a:chExt cx="0" cy="0"/>
+        </a:xfrm>
+      </p:grpSpPr>
+      <p:sp>
+        <p:nvSpPr>
+          <p:cNvPr id="2" name="Content Placeholder 1"/>
+          <p:cNvSpPr>
+            <a:spLocks noGrp="1"/>
+          </p:cNvSpPr>
+          <p:nvPr>
+            <p:ph idx="1"/>
+          </p:nvPr>
+        </p:nvSpPr>
+        <p:spPr/>
+        <p:txBody>
           <a:bodyPr/>
           <a:lstStyle/>
           <a:p>
@@ -9309,16 +9502,65 @@
           <a:p>
             <a:r>
               <a:rPr lang="en-AU" dirty="0" smtClean="0"/>
-              <a:t>Querying can be performed as before</a:t>
-            </a:r>
+              <a:t>Querying can be performed </a:t>
+            </a:r>
+            <a:r>
+              <a:rPr lang="en-AU" dirty="0" smtClean="0"/>
+              <a:t>similar to before</a:t>
+            </a:r>
+            <a:endParaRPr lang="en-AU" dirty="0" smtClean="0"/>
           </a:p>
           <a:p>
             <a:pPr lvl="1"/>
             <a:r>
               <a:rPr lang="en-AU" dirty="0" smtClean="0"/>
-              <a:t>minor change to retrieval score computation</a:t>
-            </a:r>
-            <a:endParaRPr lang="en-AU" dirty="0"/>
+              <a:t>S</a:t>
+            </a:r>
+            <a:r>
+              <a:rPr lang="en-AU" dirty="0" smtClean="0"/>
+              <a:t>ee </a:t>
+            </a:r>
+            <a:r>
+              <a:rPr lang="en-AU" dirty="0" err="1" smtClean="0"/>
+              <a:t>Moffat</a:t>
+            </a:r>
+            <a:r>
+              <a:rPr lang="en-AU" dirty="0" smtClean="0"/>
+              <a:t> &amp; </a:t>
+            </a:r>
+            <a:r>
+              <a:rPr lang="en-AU" dirty="0" err="1" smtClean="0"/>
+              <a:t>Zobel</a:t>
+            </a:r>
+            <a:r>
+              <a:rPr lang="en-AU" dirty="0" smtClean="0"/>
+              <a:t>, 2006, “</a:t>
+            </a:r>
+            <a:r>
+              <a:rPr lang="en-US" i="1" dirty="0">
+                <a:solidFill>
+                  <a:srgbClr val="000000"/>
+                </a:solidFill>
+              </a:rPr>
+              <a:t>Inverted files for text search </a:t>
+            </a:r>
+            <a:r>
+              <a:rPr lang="en-US" i="1" dirty="0" smtClean="0">
+                <a:solidFill>
+                  <a:srgbClr val="000000"/>
+                </a:solidFill>
+              </a:rPr>
+              <a:t>engines</a:t>
+            </a:r>
+            <a:r>
+              <a:rPr lang="en-AU" dirty="0" smtClean="0"/>
+              <a:t>” for details</a:t>
+            </a:r>
+            <a:endParaRPr lang="en-US" b="1" dirty="0">
+              <a:solidFill>
+                <a:srgbClr val="000000"/>
+              </a:solidFill>
+            </a:endParaRPr>
           </a:p>
         </p:txBody>
       </p:sp>
@@ -9366,7 +9608,115 @@
 </p:sld>
 </file>
 
-<file path=ppt/slides/slide19.xml><?xml version="1.0" encoding="utf-8"?>
+<file path=ppt/slides/slide2.xml><?xml version="1.0" encoding="utf-8"?>
+<p:sld xmlns:a="http://schemas.openxmlformats.org/drawingml/2006/main" xmlns:r="http://schemas.openxmlformats.org/officeDocument/2006/relationships" xmlns:p="http://schemas.openxmlformats.org/presentationml/2006/main">
+  <p:cSld>
+    <p:spTree>
+      <p:nvGrpSpPr>
+        <p:cNvPr id="1" name=""/>
+        <p:cNvGrpSpPr/>
+        <p:nvPr/>
+      </p:nvGrpSpPr>
+      <p:grpSpPr>
+        <a:xfrm>
+          <a:off x="0" y="0"/>
+          <a:ext cx="0" cy="0"/>
+          <a:chOff x="0" y="0"/>
+          <a:chExt cx="0" cy="0"/>
+        </a:xfrm>
+      </p:grpSpPr>
+      <p:sp>
+        <p:nvSpPr>
+          <p:cNvPr id="2" name="Content Placeholder 1"/>
+          <p:cNvSpPr>
+            <a:spLocks noGrp="1"/>
+          </p:cNvSpPr>
+          <p:nvPr>
+            <p:ph idx="1"/>
+          </p:nvPr>
+        </p:nvSpPr>
+        <p:spPr/>
+        <p:txBody>
+          <a:bodyPr/>
+          <a:lstStyle/>
+          <a:p>
+            <a:r>
+              <a:rPr lang="en-US" dirty="0" smtClean="0"/>
+              <a:t>Two leading methods for modern IR</a:t>
+            </a:r>
+          </a:p>
+          <a:p>
+            <a:pPr lvl="1"/>
+            <a:r>
+              <a:rPr lang="en-US" dirty="0" smtClean="0"/>
+              <a:t>BM25</a:t>
+            </a:r>
+          </a:p>
+          <a:p>
+            <a:pPr lvl="1"/>
+            <a:r>
+              <a:rPr lang="en-US" dirty="0" smtClean="0"/>
+              <a:t>Language models</a:t>
+            </a:r>
+          </a:p>
+          <a:p>
+            <a:r>
+              <a:rPr lang="en-US" dirty="0" smtClean="0"/>
+              <a:t>Inspired by nice theory and highly effective</a:t>
+            </a:r>
+          </a:p>
+          <a:p>
+            <a:pPr lvl="1"/>
+            <a:endParaRPr lang="en-US" dirty="0" smtClean="0"/>
+          </a:p>
+          <a:p>
+            <a:pPr marL="0" indent="0">
+              <a:buNone/>
+            </a:pPr>
+            <a:endParaRPr lang="en-AU" dirty="0"/>
+          </a:p>
+        </p:txBody>
+      </p:sp>
+      <p:sp>
+        <p:nvSpPr>
+          <p:cNvPr id="3" name="Title 2"/>
+          <p:cNvSpPr>
+            <a:spLocks noGrp="1"/>
+          </p:cNvSpPr>
+          <p:nvPr>
+            <p:ph type="title"/>
+          </p:nvPr>
+        </p:nvSpPr>
+        <p:spPr/>
+        <p:txBody>
+          <a:bodyPr>
+            <a:normAutofit/>
+          </a:bodyPr>
+          <a:lstStyle/>
+          <a:p>
+            <a:r>
+              <a:rPr lang="en-AU" dirty="0" smtClean="0"/>
+              <a:t>overview</a:t>
+            </a:r>
+            <a:endParaRPr lang="en-AU" dirty="0"/>
+          </a:p>
+        </p:txBody>
+      </p:sp>
+    </p:spTree>
+    <p:extLst>
+      <p:ext uri="{BB962C8B-B14F-4D97-AF65-F5344CB8AC3E}">
+        <p14:creationId xmlns:p14="http://schemas.microsoft.com/office/powerpoint/2010/main" val="571644500"/>
+      </p:ext>
+    </p:extLst>
+  </p:cSld>
+  <p:clrMapOvr>
+    <a:masterClrMapping/>
+  </p:clrMapOvr>
+  <p:transition spd="med"/>
+</p:sld>
+</file>
+
+<file path=ppt/slides/slide20.xml><?xml version="1.0" encoding="utf-8"?>
 <p:sld xmlns:a="http://schemas.openxmlformats.org/drawingml/2006/main" xmlns:r="http://schemas.openxmlformats.org/officeDocument/2006/relationships" xmlns:p="http://schemas.openxmlformats.org/presentationml/2006/main">
   <p:cSld>
     <p:spTree>
@@ -10316,115 +10666,7 @@
 </p:sld>
 </file>
 
-<file path=ppt/slides/slide2.xml><?xml version="1.0" encoding="utf-8"?>
-<p:sld xmlns:a="http://schemas.openxmlformats.org/drawingml/2006/main" xmlns:r="http://schemas.openxmlformats.org/officeDocument/2006/relationships" xmlns:p="http://schemas.openxmlformats.org/presentationml/2006/main">
-  <p:cSld>
-    <p:spTree>
-      <p:nvGrpSpPr>
-        <p:cNvPr id="1" name=""/>
-        <p:cNvGrpSpPr/>
-        <p:nvPr/>
-      </p:nvGrpSpPr>
-      <p:grpSpPr>
-        <a:xfrm>
-          <a:off x="0" y="0"/>
-          <a:ext cx="0" cy="0"/>
-          <a:chOff x="0" y="0"/>
-          <a:chExt cx="0" cy="0"/>
-        </a:xfrm>
-      </p:grpSpPr>
-      <p:sp>
-        <p:nvSpPr>
-          <p:cNvPr id="2" name="Content Placeholder 1"/>
-          <p:cNvSpPr>
-            <a:spLocks noGrp="1"/>
-          </p:cNvSpPr>
-          <p:nvPr>
-            <p:ph idx="1"/>
-          </p:nvPr>
-        </p:nvSpPr>
-        <p:spPr/>
-        <p:txBody>
-          <a:bodyPr/>
-          <a:lstStyle/>
-          <a:p>
-            <a:r>
-              <a:rPr lang="en-US" dirty="0" smtClean="0"/>
-              <a:t>Two leading methods for modern IR</a:t>
-            </a:r>
-          </a:p>
-          <a:p>
-            <a:pPr lvl="1"/>
-            <a:r>
-              <a:rPr lang="en-US" dirty="0" smtClean="0"/>
-              <a:t>BM25</a:t>
-            </a:r>
-          </a:p>
-          <a:p>
-            <a:pPr lvl="1"/>
-            <a:r>
-              <a:rPr lang="en-US" dirty="0" smtClean="0"/>
-              <a:t>Language models</a:t>
-            </a:r>
-          </a:p>
-          <a:p>
-            <a:r>
-              <a:rPr lang="en-US" dirty="0" smtClean="0"/>
-              <a:t>Inspired by nice theory and highly effective</a:t>
-            </a:r>
-          </a:p>
-          <a:p>
-            <a:pPr lvl="1"/>
-            <a:endParaRPr lang="en-US" dirty="0" smtClean="0"/>
-          </a:p>
-          <a:p>
-            <a:pPr marL="0" indent="0">
-              <a:buNone/>
-            </a:pPr>
-            <a:endParaRPr lang="en-AU" dirty="0"/>
-          </a:p>
-        </p:txBody>
-      </p:sp>
-      <p:sp>
-        <p:nvSpPr>
-          <p:cNvPr id="3" name="Title 2"/>
-          <p:cNvSpPr>
-            <a:spLocks noGrp="1"/>
-          </p:cNvSpPr>
-          <p:nvPr>
-            <p:ph type="title"/>
-          </p:nvPr>
-        </p:nvSpPr>
-        <p:spPr/>
-        <p:txBody>
-          <a:bodyPr>
-            <a:normAutofit/>
-          </a:bodyPr>
-          <a:lstStyle/>
-          <a:p>
-            <a:r>
-              <a:rPr lang="en-AU" dirty="0" smtClean="0"/>
-              <a:t>overview</a:t>
-            </a:r>
-            <a:endParaRPr lang="en-AU" dirty="0"/>
-          </a:p>
-        </p:txBody>
-      </p:sp>
-    </p:spTree>
-    <p:extLst>
-      <p:ext uri="{BB962C8B-B14F-4D97-AF65-F5344CB8AC3E}">
-        <p14:creationId xmlns:p14="http://schemas.microsoft.com/office/powerpoint/2010/main" val="571644500"/>
-      </p:ext>
-    </p:extLst>
-  </p:cSld>
-  <p:clrMapOvr>
-    <a:masterClrMapping/>
-  </p:clrMapOvr>
-  <p:transition spd="med"/>
-</p:sld>
-</file>
-
-<file path=ppt/slides/slide20.xml><?xml version="1.0" encoding="utf-8"?>
+<file path=ppt/slides/slide21.xml><?xml version="1.0" encoding="utf-8"?>
 <p:sld xmlns:a="http://schemas.openxmlformats.org/drawingml/2006/main" xmlns:r="http://schemas.openxmlformats.org/officeDocument/2006/relationships" xmlns:p="http://schemas.openxmlformats.org/presentationml/2006/main">
   <p:cSld>
     <p:spTree>
@@ -11186,7 +11428,7 @@
 </p:sld>
 </file>
 
-<file path=ppt/slides/slide21.xml><?xml version="1.0" encoding="utf-8"?>
+<file path=ppt/slides/slide22.xml><?xml version="1.0" encoding="utf-8"?>
 <p:sld xmlns:a="http://schemas.openxmlformats.org/drawingml/2006/main" xmlns:r="http://schemas.openxmlformats.org/officeDocument/2006/relationships" xmlns:p="http://schemas.openxmlformats.org/presentationml/2006/main">
   <p:cSld>
     <p:spTree>
@@ -11266,11 +11508,30 @@
             </a:r>
             <a:r>
               <a:rPr lang="en-AU" dirty="0" err="1" smtClean="0"/>
-              <a:t>ft,d</a:t>
-            </a:r>
-            <a:r>
-              <a:rPr lang="en-AU" dirty="0" smtClean="0"/>
-              <a:t> becomes more important in ranking (similar effect to IDF)</a:t>
+              <a:t>f</a:t>
+            </a:r>
+            <a:r>
+              <a:rPr lang="en-AU" baseline="-25000" dirty="0" err="1" smtClean="0"/>
+              <a:t>t,d</a:t>
+            </a:r>
+            <a:r>
+              <a:rPr lang="en-AU" dirty="0" smtClean="0"/>
+              <a:t> becomes more important in ranking </a:t>
+            </a:r>
+            <a:r>
+              <a:rPr lang="en-AU" dirty="0" smtClean="0"/>
+              <a:t/>
+            </a:r>
+            <a:br>
+              <a:rPr lang="en-AU" dirty="0" smtClean="0"/>
+            </a:br>
+            <a:r>
+              <a:rPr lang="en-AU" dirty="0" smtClean="0"/>
+              <a:t>(</a:t>
+            </a:r>
+            <a:r>
+              <a:rPr lang="en-AU" dirty="0" smtClean="0"/>
+              <a:t>similar effect to IDF)</a:t>
             </a:r>
           </a:p>
         </p:txBody>
@@ -11336,7 +11597,7 @@
 </p:sld>
 </file>
 
-<file path=ppt/slides/slide22.xml><?xml version="1.0" encoding="utf-8"?>
+<file path=ppt/slides/slide23.xml><?xml version="1.0" encoding="utf-8"?>
 <p:sld xmlns:a="http://schemas.openxmlformats.org/drawingml/2006/main" xmlns:r="http://schemas.openxmlformats.org/officeDocument/2006/relationships" xmlns:p="http://schemas.openxmlformats.org/presentationml/2006/main">
   <p:cSld>
     <p:spTree>
@@ -11483,7 +11744,7 @@
 </p:sld>
 </file>
 
-<file path=ppt/slides/slide23.xml><?xml version="1.0" encoding="utf-8"?>
+<file path=ppt/slides/slide24.xml><?xml version="1.0" encoding="utf-8"?>
 <p:sld xmlns:a="http://schemas.openxmlformats.org/drawingml/2006/main" xmlns:r="http://schemas.openxmlformats.org/officeDocument/2006/relationships" xmlns:p="http://schemas.openxmlformats.org/presentationml/2006/main">
   <p:cSld>
     <p:spTree>
@@ -12038,19 +12299,51 @@
             </a:br>
             <a:r>
               <a:rPr lang="en-AU" dirty="0" smtClean="0"/>
-              <a:t>(</a:t>
-            </a:r>
-            <a:r>
-              <a:rPr lang="en-AU" dirty="0" smtClean="0"/>
-              <a:t>what happens when </a:t>
+              <a:t>   	what </a:t>
+            </a:r>
+            <a:r>
+              <a:rPr lang="en-AU" dirty="0" smtClean="0"/>
+              <a:t>happens </a:t>
+            </a:r>
+            <a:r>
+              <a:rPr lang="en-AU" dirty="0" smtClean="0"/>
+              <a:t>when doc </a:t>
             </a:r>
             <a:r>
               <a:rPr lang="en-AU" dirty="0" err="1" smtClean="0"/>
-              <a:t>df</a:t>
-            </a:r>
-            <a:r>
-              <a:rPr lang="en-AU" dirty="0" smtClean="0"/>
-              <a:t> nears N?)</a:t>
+              <a:t>freq</a:t>
+            </a:r>
+            <a:r>
+              <a:rPr lang="en-AU" dirty="0" smtClean="0"/>
+              <a:t>, </a:t>
+            </a:r>
+            <a:r>
+              <a:rPr lang="en-AU" i="1" dirty="0" err="1" smtClean="0"/>
+              <a:t>f</a:t>
+            </a:r>
+            <a:r>
+              <a:rPr lang="en-AU" i="1" baseline="-25000" dirty="0" err="1" smtClean="0"/>
+              <a:t>t</a:t>
+            </a:r>
+            <a:r>
+              <a:rPr lang="en-AU" dirty="0" smtClean="0"/>
+              <a:t>, </a:t>
+            </a:r>
+            <a:r>
+              <a:rPr lang="en-AU" dirty="0" smtClean="0"/>
+              <a:t>nears </a:t>
+            </a:r>
+            <a:r>
+              <a:rPr lang="en-AU" i="1" dirty="0" smtClean="0"/>
+              <a:t>N</a:t>
+            </a:r>
+            <a:r>
+              <a:rPr lang="en-AU" dirty="0" smtClean="0"/>
+              <a:t>?</a:t>
+            </a:r>
+            <a:r>
+              <a:rPr lang="en-AU" dirty="0" smtClean="0"/>
+              <a:t/>
             </a:r>
             <a:br>
               <a:rPr lang="en-AU" dirty="0" smtClean="0"/>
@@ -12309,8 +12602,13 @@
           <a:p>
             <a:r>
               <a:rPr lang="en-AU" dirty="0" smtClean="0"/>
-              <a:t>Consider what happens when</a:t>
-            </a:r>
+              <a:t>Consider what happens </a:t>
+            </a:r>
+            <a:r>
+              <a:rPr lang="en-AU" dirty="0" smtClean="0"/>
+              <a:t>at extrema</a:t>
+            </a:r>
+            <a:endParaRPr lang="en-AU" dirty="0" smtClean="0"/>
           </a:p>
           <a:p>
             <a:pPr lvl="1"/>
@@ -12324,31 +12622,35 @@
             </a:r>
             <a:r>
               <a:rPr lang="en-AU" dirty="0" smtClean="0"/>
-              <a:t>= 0 or limit as k</a:t>
-            </a:r>
-            <a:r>
-              <a:rPr lang="en-AU" baseline="-25000" dirty="0"/>
+              <a:t>= 0 or </a:t>
+            </a:r>
+            <a:r>
+              <a:rPr lang="en-AU" dirty="0" smtClean="0"/>
+              <a:t>k</a:t>
+            </a:r>
+            <a:r>
+              <a:rPr lang="en-AU" baseline="-25000" dirty="0" smtClean="0"/>
+              <a:t>1 </a:t>
+            </a:r>
+            <a:r>
+              <a:rPr lang="en-AU" dirty="0" smtClean="0"/>
+              <a:t>→ ∞ </a:t>
+            </a:r>
+            <a:endParaRPr lang="en-AU" dirty="0"/>
+          </a:p>
+          <a:p>
+            <a:pPr lvl="1"/>
+            <a:r>
+              <a:rPr lang="en-AU" dirty="0" smtClean="0"/>
+              <a:t>b = 0 </a:t>
+            </a:r>
+            <a:r>
+              <a:rPr lang="is-IS" dirty="0" smtClean="0"/>
+              <a:t>... </a:t>
+            </a:r>
+            <a:r>
+              <a:rPr lang="is-IS" dirty="0" smtClean="0"/>
               <a:t>1</a:t>
-            </a:r>
-            <a:r>
-              <a:rPr lang="en-AU" baseline="-25000" dirty="0" smtClean="0"/>
-              <a:t> </a:t>
-            </a:r>
-            <a:r>
-              <a:rPr lang="en-AU" dirty="0" smtClean="0"/>
-              <a:t>→ ∞ </a:t>
-            </a:r>
-            <a:endParaRPr lang="en-AU" dirty="0"/>
-          </a:p>
-          <a:p>
-            <a:pPr lvl="1"/>
-            <a:r>
-              <a:rPr lang="en-AU" dirty="0" smtClean="0"/>
-              <a:t>b = 0 </a:t>
-            </a:r>
-            <a:r>
-              <a:rPr lang="is-IS" dirty="0" smtClean="0"/>
-              <a:t>... b = 1</a:t>
             </a:r>
             <a:endParaRPr lang="en-AU" dirty="0" smtClean="0"/>
           </a:p>
@@ -12523,44 +12825,13 @@
             </a:r>
             <a:r>
               <a:rPr lang="en-AU" dirty="0" smtClean="0"/>
-              <a:t> occurrence and query frequency count</a:t>
-            </a:r>
-          </a:p>
-          <a:p>
-            <a:pPr lvl="1"/>
-            <a:r>
-              <a:rPr lang="en-AU" dirty="0" smtClean="0"/>
-              <a:t>consider </a:t>
-            </a:r>
-            <a:r>
-              <a:rPr lang="en-AU" dirty="0"/>
-              <a:t>k</a:t>
-            </a:r>
-            <a:r>
-              <a:rPr lang="en-AU" baseline="-25000" dirty="0"/>
-              <a:t>3</a:t>
-            </a:r>
-            <a:r>
-              <a:rPr lang="en-AU" dirty="0"/>
-              <a:t> </a:t>
-            </a:r>
-            <a:r>
-              <a:rPr lang="en-AU" dirty="0" smtClean="0"/>
-              <a:t>= 0 and limit</a:t>
-            </a:r>
-            <a:r>
-              <a:rPr lang="en-AU" dirty="0"/>
-              <a:t> </a:t>
-            </a:r>
-            <a:r>
-              <a:rPr lang="en-AU" baseline="-25000" dirty="0"/>
-              <a:t>k3 </a:t>
-            </a:r>
-            <a:r>
-              <a:rPr lang="en-AU" baseline="-25000" dirty="0" smtClean="0"/>
-              <a:t>→ ∞</a:t>
-            </a:r>
-            <a:endParaRPr lang="en-AU" baseline="-25000" dirty="0"/>
+              <a:t> occurrence and query frequency </a:t>
+            </a:r>
+            <a:r>
+              <a:rPr lang="en-AU" dirty="0" smtClean="0"/>
+              <a:t>count</a:t>
+            </a:r>
+            <a:endParaRPr lang="en-AU" dirty="0" smtClean="0"/>
           </a:p>
         </p:txBody>
       </p:sp>
